--- a/2 - Docker basics/Predavanje #2 - Docker.pptx
+++ b/2 - Docker basics/Predavanje #2 - Docker.pptx
@@ -235,7 +235,7 @@
           <a:p>
             <a:fld id="{A5FED3FE-A0D0-4A64-94E6-92F929FBB115}" type="datetimeFigureOut">
               <a:rPr lang="en-US" smtClean="0"/>
-              <a:t>9/24/2021</a:t>
+              <a:t>9/30/2021</a:t>
             </a:fld>
             <a:endParaRPr lang="en-US" dirty="0"/>
           </a:p>
@@ -412,7 +412,7 @@
           <a:p>
             <a:fld id="{90546060-7A3C-4EAB-9002-548C3D5D5663}" type="datetimeFigureOut">
               <a:rPr lang="en-US" smtClean="0"/>
-              <a:t>9/24/2021</a:t>
+              <a:t>9/29/2021</a:t>
             </a:fld>
             <a:endParaRPr lang="en-US"/>
           </a:p>
@@ -1715,7 +1715,7 @@
           <a:p>
             <a:fld id="{9184DA70-C731-4C70-880D-CCD4705E623C}" type="datetime1">
               <a:rPr lang="en-US" smtClean="0"/>
-              <a:t>9/24/2021</a:t>
+              <a:t>9/29/2021</a:t>
             </a:fld>
             <a:endParaRPr lang="en-US" dirty="0"/>
           </a:p>
@@ -1903,7 +1903,7 @@
           <a:p>
             <a:fld id="{B612A279-0833-481D-8C56-F67FD0AC6C50}" type="datetime1">
               <a:rPr lang="en-US" smtClean="0"/>
-              <a:t>9/24/2021</a:t>
+              <a:t>9/29/2021</a:t>
             </a:fld>
             <a:endParaRPr lang="en-US" dirty="0"/>
           </a:p>
@@ -2145,7 +2145,7 @@
           <a:p>
             <a:fld id="{6587DA83-5663-4C9C-B9AA-0B40A3DAFF81}" type="datetime1">
               <a:rPr lang="en-US" smtClean="0"/>
-              <a:t>9/24/2021</a:t>
+              <a:t>9/29/2021</a:t>
             </a:fld>
             <a:endParaRPr lang="en-US" dirty="0"/>
           </a:p>
@@ -2333,7 +2333,7 @@
           <a:p>
             <a:fld id="{4BE1D723-8F53-4F53-90B0-1982A396982E}" type="datetime1">
               <a:rPr lang="en-US" smtClean="0"/>
-              <a:t>9/24/2021</a:t>
+              <a:t>9/29/2021</a:t>
             </a:fld>
             <a:endParaRPr lang="en-US" dirty="0"/>
           </a:p>
@@ -2698,7 +2698,7 @@
           <a:p>
             <a:fld id="{97669AF7-7BEB-44E4-9852-375E34362B5B}" type="datetime1">
               <a:rPr lang="en-US" smtClean="0"/>
-              <a:t>9/24/2021</a:t>
+              <a:t>9/29/2021</a:t>
             </a:fld>
             <a:endParaRPr lang="en-US" dirty="0"/>
           </a:p>
@@ -2953,7 +2953,7 @@
           <a:p>
             <a:fld id="{BAAAC38D-0552-4C82-B593-E6124DFADBE2}" type="datetime1">
               <a:rPr lang="en-US" smtClean="0"/>
-              <a:t>9/24/2021</a:t>
+              <a:t>9/29/2021</a:t>
             </a:fld>
             <a:endParaRPr lang="en-US" dirty="0"/>
           </a:p>
@@ -3350,7 +3350,7 @@
           <a:p>
             <a:fld id="{D9DF0F1C-5577-4ACB-BB62-DF8F3C494C7E}" type="datetime1">
               <a:rPr lang="en-US" smtClean="0"/>
-              <a:t>9/24/2021</a:t>
+              <a:t>9/29/2021</a:t>
             </a:fld>
             <a:endParaRPr lang="en-US" dirty="0"/>
           </a:p>
@@ -3486,7 +3486,7 @@
           <a:p>
             <a:fld id="{1775B394-D9F9-4F0C-B15D-605F45CB9E9F}" type="datetime1">
               <a:rPr lang="en-US" smtClean="0"/>
-              <a:t>9/24/2021</a:t>
+              <a:t>9/29/2021</a:t>
             </a:fld>
             <a:endParaRPr lang="en-US" dirty="0"/>
           </a:p>
@@ -3643,7 +3643,7 @@
           <a:p>
             <a:fld id="{39667345-2558-425A-8533-9BFDBCE15005}" type="datetime1">
               <a:rPr lang="en-US" smtClean="0"/>
-              <a:t>9/24/2021</a:t>
+              <a:t>9/29/2021</a:t>
             </a:fld>
             <a:endParaRPr lang="en-US" dirty="0"/>
           </a:p>
@@ -3972,7 +3972,7 @@
           <a:p>
             <a:fld id="{92BEA474-078D-4E9B-9B14-09A87B19DC46}" type="datetime1">
               <a:rPr lang="en-US" smtClean="0"/>
-              <a:t>9/24/2021</a:t>
+              <a:t>9/29/2021</a:t>
             </a:fld>
             <a:endParaRPr lang="en-US" dirty="0"/>
           </a:p>
@@ -4322,7 +4322,7 @@
           <a:p>
             <a:fld id="{4907D986-8816-4272-A432-0437A28A9828}" type="datetime1">
               <a:rPr lang="en-US" smtClean="0"/>
-              <a:t>9/24/2021</a:t>
+              <a:t>9/29/2021</a:t>
             </a:fld>
             <a:endParaRPr lang="en-US" dirty="0"/>
           </a:p>
@@ -4613,7 +4613,7 @@
           <a:p>
             <a:fld id="{62D6E202-B606-4609-B914-27C9371A1F6D}" type="datetime1">
               <a:rPr lang="en-US" smtClean="0"/>
-              <a:t>9/24/2021</a:t>
+              <a:t>9/29/2021</a:t>
             </a:fld>
             <a:endParaRPr lang="en-US" dirty="0"/>
           </a:p>
